--- a/아이콘.pptx
+++ b/아이콘.pptx
@@ -104,6 +104,11 @@
       </a:defRPr>
     </a:lvl9pPr>
   </p:defaultTextStyle>
+  <p:extLst>
+    <p:ext uri="{EFAFB233-063F-42B5-8137-9DF3F51BA10A}">
+      <p15:sldGuideLst xmlns:p15="http://schemas.microsoft.com/office/powerpoint/2012/main"/>
+    </p:ext>
+  </p:extLst>
 </p:presentation>
 </file>
 
@@ -152,7 +157,6 @@
               <a:rPr lang="ko-KR" altLang="en-US"/>
               <a:t>마스터 제목 스타일 편집</a:t>
             </a:r>
-            <a:endParaRPr lang="ko-KR" altLang="en-US"/>
           </a:p>
         </p:txBody>
       </p:sp>
@@ -217,7 +221,6 @@
               <a:rPr lang="ko-KR" altLang="en-US"/>
               <a:t>클릭하여 마스터 부제목 스타일 편집</a:t>
             </a:r>
-            <a:endParaRPr lang="ko-KR" altLang="en-US"/>
           </a:p>
         </p:txBody>
       </p:sp>
@@ -335,7 +338,6 @@
               <a:rPr lang="ko-KR" altLang="en-US"/>
               <a:t>마스터 제목 스타일 편집</a:t>
             </a:r>
-            <a:endParaRPr lang="ko-KR" altLang="en-US"/>
           </a:p>
         </p:txBody>
       </p:sp>
@@ -387,7 +389,6 @@
               <a:rPr lang="ko-KR" altLang="en-US"/>
               <a:t>다섯째 수준</a:t>
             </a:r>
-            <a:endParaRPr lang="ko-KR" altLang="en-US"/>
           </a:p>
         </p:txBody>
       </p:sp>
@@ -510,7 +511,6 @@
               <a:rPr lang="ko-KR" altLang="en-US"/>
               <a:t>마스터 제목 스타일 편집</a:t>
             </a:r>
-            <a:endParaRPr lang="ko-KR" altLang="en-US"/>
           </a:p>
         </p:txBody>
       </p:sp>
@@ -567,7 +567,6 @@
               <a:rPr lang="ko-KR" altLang="en-US"/>
               <a:t>다섯째 수준</a:t>
             </a:r>
-            <a:endParaRPr lang="ko-KR" altLang="en-US"/>
           </a:p>
         </p:txBody>
       </p:sp>
@@ -685,7 +684,6 @@
               <a:rPr lang="ko-KR" altLang="en-US"/>
               <a:t>마스터 제목 스타일 편집</a:t>
             </a:r>
-            <a:endParaRPr lang="ko-KR" altLang="en-US"/>
           </a:p>
         </p:txBody>
       </p:sp>
@@ -737,7 +735,6 @@
               <a:rPr lang="ko-KR" altLang="en-US"/>
               <a:t>다섯째 수준</a:t>
             </a:r>
-            <a:endParaRPr lang="ko-KR" altLang="en-US"/>
           </a:p>
         </p:txBody>
       </p:sp>
@@ -864,7 +861,6 @@
               <a:rPr lang="ko-KR" altLang="en-US"/>
               <a:t>마스터 제목 스타일 편집</a:t>
             </a:r>
-            <a:endParaRPr lang="ko-KR" altLang="en-US"/>
           </a:p>
         </p:txBody>
       </p:sp>
@@ -1101,7 +1097,6 @@
               <a:rPr lang="ko-KR" altLang="en-US"/>
               <a:t>마스터 제목 스타일 편집</a:t>
             </a:r>
-            <a:endParaRPr lang="ko-KR" altLang="en-US"/>
           </a:p>
         </p:txBody>
       </p:sp>
@@ -1158,7 +1153,6 @@
               <a:rPr lang="ko-KR" altLang="en-US"/>
               <a:t>다섯째 수준</a:t>
             </a:r>
-            <a:endParaRPr lang="ko-KR" altLang="en-US"/>
           </a:p>
         </p:txBody>
       </p:sp>
@@ -1215,7 +1209,6 @@
               <a:rPr lang="ko-KR" altLang="en-US"/>
               <a:t>다섯째 수준</a:t>
             </a:r>
-            <a:endParaRPr lang="ko-KR" altLang="en-US"/>
           </a:p>
         </p:txBody>
       </p:sp>
@@ -1338,7 +1331,6 @@
               <a:rPr lang="ko-KR" altLang="en-US"/>
               <a:t>마스터 제목 스타일 편집</a:t>
             </a:r>
-            <a:endParaRPr lang="ko-KR" altLang="en-US"/>
           </a:p>
         </p:txBody>
       </p:sp>
@@ -1460,7 +1452,6 @@
               <a:rPr lang="ko-KR" altLang="en-US"/>
               <a:t>다섯째 수준</a:t>
             </a:r>
-            <a:endParaRPr lang="ko-KR" altLang="en-US"/>
           </a:p>
         </p:txBody>
       </p:sp>
@@ -1582,7 +1573,6 @@
               <a:rPr lang="ko-KR" altLang="en-US"/>
               <a:t>다섯째 수준</a:t>
             </a:r>
-            <a:endParaRPr lang="ko-KR" altLang="en-US"/>
           </a:p>
         </p:txBody>
       </p:sp>
@@ -1700,7 +1690,6 @@
               <a:rPr lang="ko-KR" altLang="en-US"/>
               <a:t>마스터 제목 스타일 편집</a:t>
             </a:r>
-            <a:endParaRPr lang="ko-KR" altLang="en-US"/>
           </a:p>
         </p:txBody>
       </p:sp>
@@ -1922,7 +1911,6 @@
               <a:rPr lang="ko-KR" altLang="en-US"/>
               <a:t>마스터 제목 스타일 편집</a:t>
             </a:r>
-            <a:endParaRPr lang="ko-KR" altLang="en-US"/>
           </a:p>
         </p:txBody>
       </p:sp>
@@ -2007,7 +1995,6 @@
               <a:rPr lang="ko-KR" altLang="en-US"/>
               <a:t>다섯째 수준</a:t>
             </a:r>
-            <a:endParaRPr lang="ko-KR" altLang="en-US"/>
           </a:p>
         </p:txBody>
       </p:sp>
@@ -2199,7 +2186,6 @@
               <a:rPr lang="ko-KR" altLang="en-US"/>
               <a:t>마스터 제목 스타일 편집</a:t>
             </a:r>
-            <a:endParaRPr lang="ko-KR" altLang="en-US"/>
           </a:p>
         </p:txBody>
       </p:sp>
@@ -2458,7 +2444,6 @@
               <a:rPr lang="ko-KR" altLang="en-US"/>
               <a:t>마스터 제목 스타일 편집</a:t>
             </a:r>
-            <a:endParaRPr lang="ko-KR" altLang="en-US"/>
           </a:p>
         </p:txBody>
       </p:sp>
@@ -2520,7 +2505,6 @@
               <a:rPr lang="ko-KR" altLang="en-US"/>
               <a:t>다섯째 수준</a:t>
             </a:r>
-            <a:endParaRPr lang="ko-KR" altLang="en-US"/>
           </a:p>
         </p:txBody>
       </p:sp>
@@ -2996,25 +2980,20 @@
             </a:prstGeom>
             <a:gradFill flip="none" rotWithShape="1">
               <a:gsLst>
+                <a:gs pos="49000">
+                  <a:schemeClr val="tx1"/>
+                </a:gs>
                 <a:gs pos="0">
-                  <a:schemeClr val="bg2">
-                    <a:lumMod val="75000"/>
-                  </a:schemeClr>
-                </a:gs>
-                <a:gs pos="48000">
-                  <a:srgbClr val="00B050"/>
+                  <a:schemeClr val="tx2"/>
                 </a:gs>
                 <a:gs pos="100000">
-                  <a:schemeClr val="accent5">
-                    <a:lumMod val="60000"/>
-                    <a:lumOff val="40000"/>
+                  <a:schemeClr val="bg1">
+                    <a:lumMod val="50000"/>
                   </a:schemeClr>
                 </a:gs>
               </a:gsLst>
-              <a:path path="circle">
-                <a:fillToRect l="100000" t="100000"/>
-              </a:path>
-              <a:tileRect r="-100000" b="-100000"/>
+              <a:lin ang="2700000" scaled="1"/>
+              <a:tileRect/>
             </a:gradFill>
             <a:ln>
               <a:noFill/>
